--- a/presentations/problem_presentation.pptx
+++ b/presentations/problem_presentation.pptx
@@ -13,7 +13,6 @@
     <p:sldId id="262" r:id="rId7"/>
     <p:sldId id="263" r:id="rId8"/>
     <p:sldId id="264" r:id="rId9"/>
-    <p:sldId id="260" r:id="rId10"/>
   </p:sldIdLst>
   <p:sldSz cx="12192000" cy="6858000"/>
   <p:notesSz cx="6858000" cy="9144000"/>
@@ -269,7 +268,7 @@
           <a:p>
             <a:fld id="{7E5A36A6-AF8C-4D74-B4ED-EE1D5753B021}" type="datetimeFigureOut">
               <a:rPr lang="hu-HU" smtClean="0"/>
-              <a:t>2022. 04. 29.</a:t>
+              <a:t>2022. 05. 01.</a:t>
             </a:fld>
             <a:endParaRPr lang="hu-HU"/>
           </a:p>
@@ -469,7 +468,7 @@
           <a:p>
             <a:fld id="{7E5A36A6-AF8C-4D74-B4ED-EE1D5753B021}" type="datetimeFigureOut">
               <a:rPr lang="hu-HU" smtClean="0"/>
-              <a:t>2022. 04. 29.</a:t>
+              <a:t>2022. 05. 01.</a:t>
             </a:fld>
             <a:endParaRPr lang="hu-HU"/>
           </a:p>
@@ -679,7 +678,7 @@
           <a:p>
             <a:fld id="{7E5A36A6-AF8C-4D74-B4ED-EE1D5753B021}" type="datetimeFigureOut">
               <a:rPr lang="hu-HU" smtClean="0"/>
-              <a:t>2022. 04. 29.</a:t>
+              <a:t>2022. 05. 01.</a:t>
             </a:fld>
             <a:endParaRPr lang="hu-HU"/>
           </a:p>
@@ -879,7 +878,7 @@
           <a:p>
             <a:fld id="{7E5A36A6-AF8C-4D74-B4ED-EE1D5753B021}" type="datetimeFigureOut">
               <a:rPr lang="hu-HU" smtClean="0"/>
-              <a:t>2022. 04. 29.</a:t>
+              <a:t>2022. 05. 01.</a:t>
             </a:fld>
             <a:endParaRPr lang="hu-HU"/>
           </a:p>
@@ -1155,7 +1154,7 @@
           <a:p>
             <a:fld id="{7E5A36A6-AF8C-4D74-B4ED-EE1D5753B021}" type="datetimeFigureOut">
               <a:rPr lang="hu-HU" smtClean="0"/>
-              <a:t>2022. 04. 29.</a:t>
+              <a:t>2022. 05. 01.</a:t>
             </a:fld>
             <a:endParaRPr lang="hu-HU"/>
           </a:p>
@@ -1423,7 +1422,7 @@
           <a:p>
             <a:fld id="{7E5A36A6-AF8C-4D74-B4ED-EE1D5753B021}" type="datetimeFigureOut">
               <a:rPr lang="hu-HU" smtClean="0"/>
-              <a:t>2022. 04. 29.</a:t>
+              <a:t>2022. 05. 01.</a:t>
             </a:fld>
             <a:endParaRPr lang="hu-HU"/>
           </a:p>
@@ -1838,7 +1837,7 @@
           <a:p>
             <a:fld id="{7E5A36A6-AF8C-4D74-B4ED-EE1D5753B021}" type="datetimeFigureOut">
               <a:rPr lang="hu-HU" smtClean="0"/>
-              <a:t>2022. 04. 29.</a:t>
+              <a:t>2022. 05. 01.</a:t>
             </a:fld>
             <a:endParaRPr lang="hu-HU"/>
           </a:p>
@@ -1980,7 +1979,7 @@
           <a:p>
             <a:fld id="{7E5A36A6-AF8C-4D74-B4ED-EE1D5753B021}" type="datetimeFigureOut">
               <a:rPr lang="hu-HU" smtClean="0"/>
-              <a:t>2022. 04. 29.</a:t>
+              <a:t>2022. 05. 01.</a:t>
             </a:fld>
             <a:endParaRPr lang="hu-HU"/>
           </a:p>
@@ -2093,7 +2092,7 @@
           <a:p>
             <a:fld id="{7E5A36A6-AF8C-4D74-B4ED-EE1D5753B021}" type="datetimeFigureOut">
               <a:rPr lang="hu-HU" smtClean="0"/>
-              <a:t>2022. 04. 29.</a:t>
+              <a:t>2022. 05. 01.</a:t>
             </a:fld>
             <a:endParaRPr lang="hu-HU"/>
           </a:p>
@@ -2406,7 +2405,7 @@
           <a:p>
             <a:fld id="{7E5A36A6-AF8C-4D74-B4ED-EE1D5753B021}" type="datetimeFigureOut">
               <a:rPr lang="hu-HU" smtClean="0"/>
-              <a:t>2022. 04. 29.</a:t>
+              <a:t>2022. 05. 01.</a:t>
             </a:fld>
             <a:endParaRPr lang="hu-HU"/>
           </a:p>
@@ -2695,7 +2694,7 @@
           <a:p>
             <a:fld id="{7E5A36A6-AF8C-4D74-B4ED-EE1D5753B021}" type="datetimeFigureOut">
               <a:rPr lang="hu-HU" smtClean="0"/>
-              <a:t>2022. 04. 29.</a:t>
+              <a:t>2022. 05. 01.</a:t>
             </a:fld>
             <a:endParaRPr lang="hu-HU"/>
           </a:p>
@@ -2938,7 +2937,7 @@
           <a:p>
             <a:fld id="{7E5A36A6-AF8C-4D74-B4ED-EE1D5753B021}" type="datetimeFigureOut">
               <a:rPr lang="hu-HU" smtClean="0"/>
-              <a:t>2022. 04. 29.</a:t>
+              <a:t>2022. 05. 01.</a:t>
             </a:fld>
             <a:endParaRPr lang="hu-HU"/>
           </a:p>
@@ -8315,90 +8314,6 @@
 </p:sld>
 </file>
 
-<file path=ppt/slides/slide9.xml><?xml version="1.0" encoding="utf-8"?>
-<p:sld xmlns:a="http://schemas.openxmlformats.org/drawingml/2006/main" xmlns:r="http://schemas.openxmlformats.org/officeDocument/2006/relationships" xmlns:p="http://schemas.openxmlformats.org/presentationml/2006/main">
-  <p:cSld>
-    <p:spTree>
-      <p:nvGrpSpPr>
-        <p:cNvPr id="1" name=""/>
-        <p:cNvGrpSpPr/>
-        <p:nvPr/>
-      </p:nvGrpSpPr>
-      <p:grpSpPr>
-        <a:xfrm>
-          <a:off x="0" y="0"/>
-          <a:ext cx="0" cy="0"/>
-          <a:chOff x="0" y="0"/>
-          <a:chExt cx="0" cy="0"/>
-        </a:xfrm>
-      </p:grpSpPr>
-      <p:sp>
-        <p:nvSpPr>
-          <p:cNvPr id="2" name="Title 1">
-            <a:extLst>
-              <a:ext uri="{FF2B5EF4-FFF2-40B4-BE49-F238E27FC236}">
-                <a16:creationId xmlns:a16="http://schemas.microsoft.com/office/drawing/2014/main" id="{75945223-524E-48B9-BD6D-0AC5864ACD6D}"/>
-              </a:ext>
-            </a:extLst>
-          </p:cNvPr>
-          <p:cNvSpPr>
-            <a:spLocks noGrp="1"/>
-          </p:cNvSpPr>
-          <p:nvPr>
-            <p:ph type="title"/>
-          </p:nvPr>
-        </p:nvSpPr>
-        <p:spPr/>
-        <p:txBody>
-          <a:bodyPr/>
-          <a:lstStyle/>
-          <a:p>
-            <a:r>
-              <a:rPr lang="en-US" dirty="0"/>
-              <a:t>Approximation slide… </a:t>
-            </a:r>
-            <a:endParaRPr lang="hu-HU" dirty="0"/>
-          </a:p>
-        </p:txBody>
-      </p:sp>
-      <p:sp>
-        <p:nvSpPr>
-          <p:cNvPr id="3" name="Content Placeholder 2">
-            <a:extLst>
-              <a:ext uri="{FF2B5EF4-FFF2-40B4-BE49-F238E27FC236}">
-                <a16:creationId xmlns:a16="http://schemas.microsoft.com/office/drawing/2014/main" id="{92FE70CF-BF3D-45C2-841E-505E767264F7}"/>
-              </a:ext>
-            </a:extLst>
-          </p:cNvPr>
-          <p:cNvSpPr>
-            <a:spLocks noGrp="1"/>
-          </p:cNvSpPr>
-          <p:nvPr>
-            <p:ph idx="1"/>
-          </p:nvPr>
-        </p:nvSpPr>
-        <p:spPr/>
-        <p:txBody>
-          <a:bodyPr/>
-          <a:lstStyle/>
-          <a:p>
-            <a:endParaRPr lang="hu-HU" dirty="0"/>
-          </a:p>
-        </p:txBody>
-      </p:sp>
-    </p:spTree>
-    <p:extLst>
-      <p:ext uri="{BB962C8B-B14F-4D97-AF65-F5344CB8AC3E}">
-        <p14:creationId xmlns:p14="http://schemas.microsoft.com/office/powerpoint/2010/main" val="3175013801"/>
-      </p:ext>
-    </p:extLst>
-  </p:cSld>
-  <p:clrMapOvr>
-    <a:masterClrMapping/>
-  </p:clrMapOvr>
-</p:sld>
-</file>
-
 <file path=ppt/theme/theme1.xml><?xml version="1.0" encoding="utf-8"?>
 <a:theme xmlns:a="http://schemas.openxmlformats.org/drawingml/2006/main" name="Office Theme">
   <a:themeElements>
